--- a/Don't Burst My Bubble Presentation.pptx
+++ b/Don't Burst My Bubble Presentation.pptx
@@ -110,6 +110,11 @@
       </a:defRPr>
     </a:lvl9pPr>
   </p:defaultTextStyle>
+  <p:extLst>
+    <p:ext uri="{EFAFB233-063F-42B5-8137-9DF3F51BA10A}">
+      <p15:sldGuideLst xmlns:p15="http://schemas.microsoft.com/office/powerpoint/2012/main"/>
+    </p:ext>
+  </p:extLst>
 </p:presentation>
 </file>
 
@@ -8078,7 +8083,11 @@
           <a:p>
             <a:r>
               <a:rPr lang="en-GB" sz="1900" b="1" dirty="0"/>
-              <a:t>Shane:</a:t>
+              <a:t>Shane: </a:t>
+            </a:r>
+            <a:r>
+              <a:rPr lang="en-GB" sz="1900" dirty="0"/>
+              <a:t>Sound Designer</a:t>
             </a:r>
           </a:p>
           <a:p>

--- a/Don't Burst My Bubble Presentation.pptx
+++ b/Don't Burst My Bubble Presentation.pptx
@@ -9089,14 +9089,14 @@
             <p:ph idx="1"/>
             <p:extLst>
               <p:ext uri="{D42A27DB-BD31-4B8C-83A1-F6EECF244321}">
-                <p14:modId xmlns:p14="http://schemas.microsoft.com/office/powerpoint/2010/main" val="2743193177"/>
+                <p14:modId xmlns:p14="http://schemas.microsoft.com/office/powerpoint/2010/main" val="2597945231"/>
               </p:ext>
             </p:extLst>
           </p:nvPr>
         </p:nvGraphicFramePr>
         <p:xfrm>
           <a:off x="6323013" y="446088"/>
-          <a:ext cx="5181600" cy="5296987"/>
+          <a:ext cx="5181600" cy="5824283"/>
         </p:xfrm>
         <a:graphic>
           <a:graphicData uri="http://schemas.openxmlformats.org/drawingml/2006/table">
@@ -9192,7 +9192,10 @@
                     <a:bodyPr/>
                     <a:lstStyle/>
                     <a:p>
-                      <a:endParaRPr lang="en-GB"/>
+                      <a:r>
+                        <a:rPr lang="en-GB" dirty="0"/>
+                        <a:t>The absolute basics</a:t>
+                      </a:r>
                     </a:p>
                   </a:txBody>
                   <a:tcPr/>
@@ -9202,7 +9205,10 @@
                     <a:bodyPr/>
                     <a:lstStyle/>
                     <a:p>
-                      <a:endParaRPr lang="en-GB"/>
+                      <a:r>
+                        <a:rPr lang="en-GB" dirty="0"/>
+                        <a:t>That enemies will chase the player</a:t>
+                      </a:r>
                     </a:p>
                   </a:txBody>
                   <a:tcPr/>
@@ -9232,7 +9238,10 @@
                     <a:bodyPr/>
                     <a:lstStyle/>
                     <a:p>
-                      <a:endParaRPr lang="en-GB"/>
+                      <a:r>
+                        <a:rPr lang="en-GB" dirty="0"/>
+                        <a:t>The enemies will can move back and forth</a:t>
+                      </a:r>
                     </a:p>
                   </a:txBody>
                   <a:tcPr/>
@@ -9242,7 +9251,10 @@
                     <a:bodyPr/>
                     <a:lstStyle/>
                     <a:p>
-                      <a:endParaRPr lang="en-GB"/>
+                      <a:r>
+                        <a:rPr lang="en-GB" dirty="0"/>
+                        <a:t>Timing your movement</a:t>
+                      </a:r>
                     </a:p>
                   </a:txBody>
                   <a:tcPr/>
@@ -9272,7 +9284,10 @@
                     <a:bodyPr/>
                     <a:lstStyle/>
                     <a:p>
-                      <a:endParaRPr lang="en-GB"/>
+                      <a:r>
+                        <a:rPr lang="en-GB" dirty="0"/>
+                        <a:t>Enemies will greatly increase speed</a:t>
+                      </a:r>
                     </a:p>
                   </a:txBody>
                   <a:tcPr/>
@@ -9282,7 +9297,10 @@
                     <a:bodyPr/>
                     <a:lstStyle/>
                     <a:p>
-                      <a:endParaRPr lang="en-GB"/>
+                      <a:r>
+                        <a:rPr lang="en-GB" dirty="0"/>
+                        <a:t>Need absolute perfect timing</a:t>
+                      </a:r>
                     </a:p>
                   </a:txBody>
                   <a:tcPr/>

--- a/Don't Burst My Bubble Presentation.pptx
+++ b/Don't Burst My Bubble Presentation.pptx
@@ -9089,7 +9089,7 @@
             <p:ph idx="1"/>
             <p:extLst>
               <p:ext uri="{D42A27DB-BD31-4B8C-83A1-F6EECF244321}">
-                <p14:modId xmlns:p14="http://schemas.microsoft.com/office/powerpoint/2010/main" val="2597945231"/>
+                <p14:modId xmlns:p14="http://schemas.microsoft.com/office/powerpoint/2010/main" val="2281837227"/>
               </p:ext>
             </p:extLst>
           </p:nvPr>
@@ -9330,7 +9330,14 @@
                     <a:bodyPr/>
                     <a:lstStyle/>
                     <a:p>
-                      <a:endParaRPr lang="en-GB"/>
+                      <a:r>
+                        <a:rPr lang="en-GB" dirty="0"/>
+                        <a:t>You need to </a:t>
+                      </a:r>
+                      <a:r>
+                        <a:rPr lang="en-GB"/>
+                        <a:t>Kite Enemies</a:t>
+                      </a:r>
                     </a:p>
                   </a:txBody>
                   <a:tcPr/>

--- a/Don't Burst My Bubble Presentation.pptx
+++ b/Don't Burst My Bubble Presentation.pptx
@@ -8092,13 +8092,14 @@
           </a:p>
           <a:p>
             <a:r>
-              <a:rPr lang="en-GB" sz="1900" b="1" dirty="0" err="1"/>
-              <a:t>IronTeacup</a:t>
-            </a:r>
-            <a:r>
               <a:rPr lang="en-GB" sz="1900" b="1" dirty="0"/>
-              <a:t>:</a:t>
-            </a:r>
+              <a:t>Morgan: </a:t>
+            </a:r>
+            <a:r>
+              <a:rPr lang="en-GB" sz="1900" dirty="0"/>
+              <a:t>Mechanical Programmer, level designer</a:t>
+            </a:r>
+            <a:endParaRPr lang="en-GB" sz="1900" b="1" dirty="0"/>
           </a:p>
           <a:p>
             <a:endParaRPr lang="en-GB" b="1" dirty="0"/>
@@ -9089,14 +9090,14 @@
             <p:ph idx="1"/>
             <p:extLst>
               <p:ext uri="{D42A27DB-BD31-4B8C-83A1-F6EECF244321}">
-                <p14:modId xmlns:p14="http://schemas.microsoft.com/office/powerpoint/2010/main" val="2281837227"/>
+                <p14:modId xmlns:p14="http://schemas.microsoft.com/office/powerpoint/2010/main" val="2226360804"/>
               </p:ext>
             </p:extLst>
           </p:nvPr>
         </p:nvGraphicFramePr>
         <p:xfrm>
           <a:off x="6323013" y="446088"/>
-          <a:ext cx="5181600" cy="5824283"/>
+          <a:ext cx="5181600" cy="6362251"/>
         </p:xfrm>
         <a:graphic>
           <a:graphicData uri="http://schemas.openxmlformats.org/drawingml/2006/table">
@@ -9347,7 +9348,10 @@
                     <a:bodyPr/>
                     <a:lstStyle/>
                     <a:p>
-                      <a:endParaRPr lang="en-GB" dirty="0"/>
+                      <a:r>
+                        <a:rPr lang="en-GB" dirty="0"/>
+                        <a:t>That kiting enemies helps you complete the objective</a:t>
+                      </a:r>
                     </a:p>
                   </a:txBody>
                   <a:tcPr/>

--- a/Don't Burst My Bubble Presentation.pptx
+++ b/Don't Burst My Bubble Presentation.pptx
@@ -9064,11 +9064,13 @@
         </p:nvSpPr>
         <p:spPr/>
         <p:txBody>
-          <a:bodyPr/>
+          <a:bodyPr>
+            <a:normAutofit/>
+          </a:bodyPr>
           <a:lstStyle/>
           <a:p>
             <a:r>
-              <a:rPr lang="en-GB" dirty="0"/>
+              <a:rPr lang="en-GB" sz="2400" dirty="0"/>
               <a:t>Game Level Design</a:t>
             </a:r>
           </a:p>
@@ -9090,7 +9092,7 @@
             <p:ph idx="1"/>
             <p:extLst>
               <p:ext uri="{D42A27DB-BD31-4B8C-83A1-F6EECF244321}">
-                <p14:modId xmlns:p14="http://schemas.microsoft.com/office/powerpoint/2010/main" val="2226360804"/>
+                <p14:modId xmlns:p14="http://schemas.microsoft.com/office/powerpoint/2010/main" val="3451659264"/>
               </p:ext>
             </p:extLst>
           </p:nvPr>
@@ -9208,7 +9210,7 @@
                     <a:p>
                       <a:r>
                         <a:rPr lang="en-GB" dirty="0"/>
-                        <a:t>That enemies will chase the player</a:t>
+                        <a:t>Enemies chase the player</a:t>
                       </a:r>
                     </a:p>
                   </a:txBody>
@@ -9350,7 +9352,7 @@
                     <a:p>
                       <a:r>
                         <a:rPr lang="en-GB" dirty="0"/>
-                        <a:t>That kiting enemies helps you complete the objective</a:t>
+                        <a:t>Kiting enemies helps you complete the objective</a:t>
                       </a:r>
                     </a:p>
                   </a:txBody>
@@ -9384,11 +9386,13 @@
         </p:nvSpPr>
         <p:spPr/>
         <p:txBody>
-          <a:bodyPr/>
+          <a:bodyPr>
+            <a:normAutofit/>
+          </a:bodyPr>
           <a:lstStyle/>
           <a:p>
             <a:r>
-              <a:rPr lang="en-GB" dirty="0"/>
+              <a:rPr lang="en-GB" sz="2000" dirty="0"/>
               <a:t>The table to the right summarises the different levels inside of the game and their objectives in “Don’t Burst My Bubble”. Each level is built upon from its last, becoming more interesting and challenging at the same time!</a:t>
             </a:r>
           </a:p>
@@ -9475,7 +9479,7 @@
           <a:p>
             <a:r>
               <a:rPr lang="en-GB" dirty="0"/>
-              <a:t>Inside of the game we have implemented the use of audio to increase user friendliness and to make the game more fun and interesting!</a:t>
+              <a:t>Inside of the game we have implemented the use of audio to increase user friendliness to make the game more fun and interesting!</a:t>
             </a:r>
           </a:p>
         </p:txBody>
@@ -9723,7 +9727,7 @@
           <a:p>
             <a:r>
               <a:rPr lang="en-GB" dirty="0"/>
-              <a:t>Thank you!!</a:t>
+              <a:t>Thank you?!</a:t>
             </a:r>
           </a:p>
         </p:txBody>
@@ -9751,7 +9755,15 @@
           <a:p>
             <a:r>
               <a:rPr lang="en-GB" dirty="0"/>
-              <a:t>We hope you enjoyed!</a:t>
+              <a:t>We hope </a:t>
+            </a:r>
+            <a:r>
+              <a:rPr lang="en-GB"/>
+              <a:t>you will </a:t>
+            </a:r>
+            <a:r>
+              <a:rPr lang="en-GB" dirty="0"/>
+              <a:t>enjoy our game!</a:t>
             </a:r>
             <a:r>
               <a:rPr lang="en-GB" dirty="0">
@@ -9763,6 +9775,42 @@
           </a:p>
         </p:txBody>
       </p:sp>
+      <p:pic>
+        <p:nvPicPr>
+          <p:cNvPr id="5" name="Picture 4" descr="A group of puppies with question marks above them&#10;&#10;Description automatically generated">
+            <a:extLst>
+              <a:ext uri="{FF2B5EF4-FFF2-40B4-BE49-F238E27FC236}">
+                <a16:creationId xmlns:a16="http://schemas.microsoft.com/office/drawing/2014/main" id="{01058614-A7F0-E76F-4B7F-642A11B22487}"/>
+              </a:ext>
+            </a:extLst>
+          </p:cNvPr>
+          <p:cNvPicPr>
+            <a:picLocks noChangeAspect="1"/>
+          </p:cNvPicPr>
+          <p:nvPr/>
+        </p:nvPicPr>
+        <p:blipFill>
+          <a:blip r:embed="rId2">
+            <a:extLst>
+              <a:ext uri="{28A0092B-C50C-407E-A947-70E740481C1C}">
+                <a14:useLocalDpi xmlns:a14="http://schemas.microsoft.com/office/drawing/2010/main" val="0"/>
+              </a:ext>
+            </a:extLst>
+          </a:blip>
+          <a:stretch>
+            <a:fillRect/>
+          </a:stretch>
+        </p:blipFill>
+        <p:spPr>
+          <a:xfrm>
+            <a:off x="3229281" y="435471"/>
+            <a:ext cx="5354279" cy="2993529"/>
+          </a:xfrm>
+          <a:prstGeom prst="rect">
+            <a:avLst/>
+          </a:prstGeom>
+        </p:spPr>
+      </p:pic>
     </p:spTree>
     <p:extLst>
       <p:ext uri="{BB962C8B-B14F-4D97-AF65-F5344CB8AC3E}">
